--- a/CREATIVTALE.pptx
+++ b/CREATIVTALE.pptx
@@ -109,6 +109,11 @@
       </a:defRPr>
     </a:lvl9pPr>
   </p:defaultTextStyle>
+  <p:extLst>
+    <p:ext uri="{EFAFB233-063F-42B5-8137-9DF3F51BA10A}">
+      <p15:sldGuideLst xmlns:p15="http://schemas.microsoft.com/office/powerpoint/2012/main"/>
+    </p:ext>
+  </p:extLst>
 </p:presentation>
 </file>
 
@@ -7979,7 +7984,11 @@
           <a:lstStyle/>
           <a:p>
             <a:r>
-              <a:rPr lang="en-TR" sz="2000" dirty="0"/>
+              <a:rPr lang="en-TR" sz="2000" dirty="0">
+                <a:solidFill>
+                  <a:schemeClr val="tx2"/>
+                </a:solidFill>
+              </a:rPr>
               <a:t>CREATIVTALE is a platform that seeks to give everyone access to their creative side.</a:t>
             </a:r>
           </a:p>
@@ -7999,8 +8008,8 @@
         </p:nvSpPr>
         <p:spPr>
           <a:xfrm>
-            <a:off x="356238" y="2073902"/>
-            <a:ext cx="12026434" cy="646331"/>
+            <a:off x="356238" y="2035139"/>
+            <a:ext cx="11165749" cy="646331"/>
           </a:xfrm>
           <a:prstGeom prst="rect">
             <a:avLst/>
@@ -8014,25 +8023,53 @@
           <a:lstStyle/>
           <a:p>
             <a:r>
-              <a:rPr lang="en-TR" dirty="0"/>
-              <a:t>You can upload your own short stories, rec</a:t>
+              <a:rPr lang="en-TR" dirty="0">
+                <a:solidFill>
+                  <a:schemeClr val="tx2"/>
+                </a:solidFill>
+              </a:rPr>
+              <a:t>You can upload your own short stories, </a:t>
             </a:r>
             <a:r>
-              <a:rPr lang="en-US" dirty="0" err="1"/>
-              <a:t>ei</a:t>
+              <a:rPr lang="tr-TR" dirty="0" err="1">
+                <a:solidFill>
+                  <a:schemeClr val="tx2"/>
+                </a:solidFill>
+              </a:rPr>
+              <a:t>get</a:t>
             </a:r>
             <a:r>
-              <a:rPr lang="en-TR" dirty="0"/>
-              <a:t>ve feedback from others, read what other users have written, write your own </a:t>
+              <a:rPr lang="en-US" dirty="0">
+                <a:solidFill>
+                  <a:schemeClr val="tx2"/>
+                </a:solidFill>
+              </a:rPr>
+              <a:t> </a:t>
+            </a:r>
+            <a:r>
+              <a:rPr lang="en-TR" dirty="0">
+                <a:solidFill>
+                  <a:schemeClr val="tx2"/>
+                </a:solidFill>
+              </a:rPr>
+              <a:t>feedback from others, read what other users have written, write your own </a:t>
             </a:r>
           </a:p>
           <a:p>
             <a:r>
-              <a:rPr lang="en-US" dirty="0"/>
+              <a:rPr lang="en-US" dirty="0">
+                <a:solidFill>
+                  <a:schemeClr val="tx2"/>
+                </a:solidFill>
+              </a:rPr>
               <a:t>o</a:t>
             </a:r>
             <a:r>
-              <a:rPr lang="en-TR" dirty="0"/>
+              <a:rPr lang="en-TR" dirty="0">
+                <a:solidFill>
+                  <a:schemeClr val="tx2"/>
+                </a:solidFill>
+              </a:rPr>
               <a:t>pinions about others’ work and more.</a:t>
             </a:r>
           </a:p>
@@ -8067,13 +8104,16 @@
         </p:blipFill>
         <p:spPr bwMode="auto">
           <a:xfrm>
-            <a:off x="469076" y="3035801"/>
+            <a:off x="3176650" y="3200264"/>
             <a:ext cx="4983962" cy="2425528"/>
           </a:xfrm>
-          <a:prstGeom prst="rect">
+          <a:prstGeom prst="roundRect">
             <a:avLst/>
           </a:prstGeom>
           <a:noFill/>
+          <a:effectLst>
+            <a:softEdge rad="0"/>
+          </a:effectLst>
           <a:extLst>
             <a:ext uri="{909E8E84-426E-40DD-AFC4-6F175D3DCCD1}">
               <a14:hiddenFill xmlns:a14="http://schemas.microsoft.com/office/drawing/2010/main">
@@ -13476,7 +13516,7 @@
                   <a:schemeClr val="tx2"/>
                 </a:solidFill>
               </a:rPr>
-              <a:t>Once you sign up, a home page will welcome you will where you will be able to have an access to ALL contents in CREATIVTALE. </a:t>
+              <a:t>Once you sign up, a home page will welcome you where you will be able to have an access to ALL contents in CREATIVTALE. </a:t>
             </a:r>
           </a:p>
           <a:p>
@@ -19668,7 +19708,11 @@
           <a:lstStyle/>
           <a:p>
             <a:r>
-              <a:rPr lang="en-TR" dirty="0"/>
+              <a:rPr lang="en-TR" dirty="0">
+                <a:solidFill>
+                  <a:schemeClr val="tx2"/>
+                </a:solidFill>
+              </a:rPr>
               <a:t>Our goals with CREATIVTALE are to: </a:t>
             </a:r>
           </a:p>
@@ -19678,7 +19722,11 @@
               <a:buChar char="•"/>
             </a:pPr>
             <a:r>
-              <a:rPr lang="en-TR" dirty="0"/>
+              <a:rPr lang="en-TR" dirty="0">
+                <a:solidFill>
+                  <a:schemeClr val="tx2"/>
+                </a:solidFill>
+              </a:rPr>
               <a:t>make storytelling ENJOYABLE and ACCESSIBLE to all. We specifically target students who are in disadvantaged positions and don’t have the means to publish their work. We hope to bridge the gap between people from all age groups and backgrounds to create a fair platform where they can pursue their dreams.</a:t>
             </a:r>
           </a:p>
@@ -19691,7 +19739,11 @@
               <a:buChar char="•"/>
             </a:pPr>
             <a:r>
-              <a:rPr lang="en-TR" dirty="0"/>
+              <a:rPr lang="en-TR" dirty="0">
+                <a:solidFill>
+                  <a:schemeClr val="tx2"/>
+                </a:solidFill>
+              </a:rPr>
               <a:t>reduce the wasteful usage of paper in our effort towards fighting climate change. We wish to use this platform to limit the use of materials in a way that will encourage people to stay creative.</a:t>
             </a:r>
           </a:p>
@@ -19726,7 +19778,11 @@
           <a:lstStyle/>
           <a:p>
             <a:r>
-              <a:rPr lang="en-TR" dirty="0"/>
+              <a:rPr lang="en-TR" dirty="0">
+                <a:solidFill>
+                  <a:schemeClr val="tx2"/>
+                </a:solidFill>
+              </a:rPr>
               <a:t>The Sustainable Development Goals we targeted with this project were:</a:t>
             </a:r>
           </a:p>
